--- a/KnifeHit.pptx
+++ b/KnifeHit.pptx
@@ -6,7 +6,9 @@
   </p:sldMasterIdLst>
   <p:sldIdLst>
     <p:sldId id="256" r:id="rId2"/>
-    <p:sldId id="258" r:id="rId3"/>
+    <p:sldId id="259" r:id="rId3"/>
+    <p:sldId id="258" r:id="rId4"/>
+    <p:sldId id="261" r:id="rId5"/>
   </p:sldIdLst>
   <p:sldSz cx="12192000" cy="6858000"/>
   <p:notesSz cx="6858000" cy="9144000"/>
@@ -105,6 +107,11 @@
       </a:defRPr>
     </a:lvl9pPr>
   </p:defaultTextStyle>
+  <p:extLst>
+    <p:ext uri="{EFAFB233-063F-42B5-8137-9DF3F51BA10A}">
+      <p15:sldGuideLst xmlns:p15="http://schemas.microsoft.com/office/powerpoint/2012/main"/>
+    </p:ext>
+  </p:extLst>
 </p:presentation>
 </file>
 
@@ -5775,16 +5782,15 @@
           </p:cNvPicPr>
           <p:nvPr/>
         </p:nvPicPr>
-        <p:blipFill>
+        <p:blipFill rotWithShape="1">
           <a:blip r:embed="rId2"/>
-          <a:stretch>
-            <a:fillRect/>
-          </a:stretch>
+          <a:srcRect t="2452"/>
+          <a:stretch/>
         </p:blipFill>
         <p:spPr>
           <a:xfrm>
-            <a:off x="546755" y="113122"/>
-            <a:ext cx="4326903" cy="6311986"/>
+            <a:off x="546755" y="267854"/>
+            <a:ext cx="4326903" cy="6157253"/>
           </a:xfrm>
           <a:prstGeom prst="rect">
             <a:avLst/>
@@ -5823,6 +5829,263 @@
       </p:grpSpPr>
       <p:sp>
         <p:nvSpPr>
+          <p:cNvPr id="2" name="Title 1"/>
+          <p:cNvSpPr>
+            <a:spLocks noGrp="1"/>
+          </p:cNvSpPr>
+          <p:nvPr>
+            <p:ph type="title"/>
+          </p:nvPr>
+        </p:nvSpPr>
+        <p:spPr/>
+        <p:txBody>
+          <a:bodyPr/>
+          <a:lstStyle/>
+          <a:p>
+            <a:r>
+              <a:rPr lang="en-US" dirty="0" smtClean="0"/>
+              <a:t>Game description</a:t>
+            </a:r>
+            <a:endParaRPr lang="en-US" dirty="0"/>
+          </a:p>
+        </p:txBody>
+      </p:sp>
+      <p:sp>
+        <p:nvSpPr>
+          <p:cNvPr id="3" name="Content Placeholder 2"/>
+          <p:cNvSpPr>
+            <a:spLocks noGrp="1"/>
+          </p:cNvSpPr>
+          <p:nvPr>
+            <p:ph idx="1"/>
+          </p:nvPr>
+        </p:nvSpPr>
+        <p:spPr>
+          <a:xfrm>
+            <a:off x="1141413" y="1782619"/>
+            <a:ext cx="9905998" cy="4008582"/>
+          </a:xfrm>
+        </p:spPr>
+        <p:txBody>
+          <a:bodyPr/>
+          <a:lstStyle/>
+          <a:p>
+            <a:pPr algn="l" rtl="0"/>
+            <a:r>
+              <a:rPr lang="en-US" dirty="0" smtClean="0">
+                <a:effectLst>
+                  <a:glow rad="38100">
+                    <a:schemeClr val="bg1">
+                      <a:lumMod val="50000"/>
+                      <a:lumOff val="50000"/>
+                      <a:alpha val="20000"/>
+                    </a:schemeClr>
+                  </a:glow>
+                </a:effectLst>
+              </a:rPr>
+              <a:t>Our knife challenge is here!!</a:t>
+            </a:r>
+          </a:p>
+          <a:p>
+            <a:pPr algn="l" rtl="0"/>
+            <a:r>
+              <a:rPr lang="en-US" dirty="0" smtClean="0">
+                <a:effectLst>
+                  <a:glow rad="38100">
+                    <a:schemeClr val="bg1">
+                      <a:lumMod val="50000"/>
+                      <a:lumOff val="50000"/>
+                      <a:alpha val="20000"/>
+                    </a:schemeClr>
+                  </a:glow>
+                </a:effectLst>
+              </a:rPr>
+              <a:t>the game looks like </a:t>
+            </a:r>
+            <a:r>
+              <a:rPr lang="en-US" dirty="0">
+                <a:effectLst>
+                  <a:glow rad="38100">
+                    <a:schemeClr val="bg1">
+                      <a:lumMod val="50000"/>
+                      <a:lumOff val="50000"/>
+                      <a:alpha val="20000"/>
+                    </a:schemeClr>
+                  </a:glow>
+                </a:effectLst>
+              </a:rPr>
+              <a:t>shooter </a:t>
+            </a:r>
+            <a:r>
+              <a:rPr lang="en-US" dirty="0" smtClean="0">
+                <a:effectLst>
+                  <a:glow rad="38100">
+                    <a:schemeClr val="bg1">
+                      <a:lumMod val="50000"/>
+                      <a:lumOff val="50000"/>
+                      <a:alpha val="20000"/>
+                    </a:schemeClr>
+                  </a:glow>
+                </a:effectLst>
+              </a:rPr>
+              <a:t>games. There are a spinning apple and you are given a knife.</a:t>
+            </a:r>
+          </a:p>
+          <a:p>
+            <a:pPr algn="l" rtl="0"/>
+            <a:r>
+              <a:rPr lang="en-US" dirty="0" smtClean="0">
+                <a:effectLst>
+                  <a:glow rad="38100">
+                    <a:schemeClr val="bg1">
+                      <a:lumMod val="50000"/>
+                      <a:lumOff val="50000"/>
+                      <a:alpha val="20000"/>
+                    </a:schemeClr>
+                  </a:glow>
+                </a:effectLst>
+              </a:rPr>
+              <a:t>the goal is to hit the apple in each level.</a:t>
+            </a:r>
+          </a:p>
+          <a:p>
+            <a:pPr algn="l" rtl="0"/>
+            <a:r>
+              <a:rPr lang="en-US" dirty="0" smtClean="0">
+                <a:effectLst>
+                  <a:glow rad="38100">
+                    <a:schemeClr val="bg1">
+                      <a:lumMod val="50000"/>
+                      <a:lumOff val="50000"/>
+                      <a:alpha val="20000"/>
+                    </a:schemeClr>
+                  </a:glow>
+                </a:effectLst>
+              </a:rPr>
+              <a:t>As you hit apples, the score, level, and speed are increased. </a:t>
+            </a:r>
+            <a:r>
+              <a:rPr lang="en-US" b="1" i="1" dirty="0" smtClean="0">
+                <a:effectLst>
+                  <a:glow rad="38100">
+                    <a:schemeClr val="bg1">
+                      <a:lumMod val="50000"/>
+                      <a:lumOff val="50000"/>
+                      <a:alpha val="20000"/>
+                    </a:schemeClr>
+                  </a:glow>
+                </a:effectLst>
+              </a:rPr>
+              <a:t>so challenging </a:t>
+            </a:r>
+            <a:r>
+              <a:rPr lang="en-US" b="1" dirty="0" smtClean="0">
+                <a:effectLst>
+                  <a:glow rad="38100">
+                    <a:schemeClr val="bg1">
+                      <a:lumMod val="50000"/>
+                      <a:lumOff val="50000"/>
+                      <a:alpha val="20000"/>
+                    </a:schemeClr>
+                  </a:glow>
+                </a:effectLst>
+              </a:rPr>
+              <a:t>😎</a:t>
+            </a:r>
+            <a:r>
+              <a:rPr lang="en-US" b="1" i="1" dirty="0" smtClean="0">
+                <a:effectLst>
+                  <a:glow rad="38100">
+                    <a:schemeClr val="bg1">
+                      <a:lumMod val="50000"/>
+                      <a:lumOff val="50000"/>
+                      <a:alpha val="20000"/>
+                    </a:schemeClr>
+                  </a:glow>
+                </a:effectLst>
+              </a:rPr>
+              <a:t>!!…</a:t>
+            </a:r>
+          </a:p>
+          <a:p>
+            <a:pPr algn="l" rtl="0"/>
+            <a:r>
+              <a:rPr lang="en-US" dirty="0" smtClean="0">
+                <a:effectLst>
+                  <a:glow rad="38100">
+                    <a:schemeClr val="bg1">
+                      <a:lumMod val="50000"/>
+                      <a:lumOff val="50000"/>
+                      <a:alpha val="20000"/>
+                    </a:schemeClr>
+                  </a:glow>
+                </a:effectLst>
+              </a:rPr>
+              <a:t>You have just three trials. So, don’t lose them 😉.</a:t>
+            </a:r>
+          </a:p>
+          <a:p>
+            <a:pPr algn="l" rtl="0"/>
+            <a:r>
+              <a:rPr lang="en-US" dirty="0" smtClean="0">
+                <a:effectLst>
+                  <a:glow rad="38100">
+                    <a:schemeClr val="bg1">
+                      <a:lumMod val="50000"/>
+                      <a:lumOff val="50000"/>
+                      <a:alpha val="20000"/>
+                    </a:schemeClr>
+                  </a:glow>
+                </a:effectLst>
+              </a:rPr>
+              <a:t>If unfortunately you lost all the trials, It will be ‘Game Over’.</a:t>
+            </a:r>
+            <a:endParaRPr lang="en-US" dirty="0">
+              <a:effectLst>
+                <a:glow rad="38100">
+                  <a:schemeClr val="bg1">
+                    <a:lumMod val="50000"/>
+                    <a:lumOff val="50000"/>
+                    <a:alpha val="20000"/>
+                  </a:schemeClr>
+                </a:glow>
+              </a:effectLst>
+            </a:endParaRPr>
+          </a:p>
+        </p:txBody>
+      </p:sp>
+    </p:spTree>
+    <p:extLst>
+      <p:ext uri="{BB962C8B-B14F-4D97-AF65-F5344CB8AC3E}">
+        <p14:creationId xmlns:p14="http://schemas.microsoft.com/office/powerpoint/2010/main" val="114341049"/>
+      </p:ext>
+    </p:extLst>
+  </p:cSld>
+  <p:clrMapOvr>
+    <a:masterClrMapping/>
+  </p:clrMapOvr>
+</p:sld>
+</file>
+
+<file path=ppt/slides/slide3.xml><?xml version="1.0" encoding="utf-8"?>
+<p:sld xmlns:a="http://schemas.openxmlformats.org/drawingml/2006/main" xmlns:r="http://schemas.openxmlformats.org/officeDocument/2006/relationships" xmlns:p="http://schemas.openxmlformats.org/presentationml/2006/main">
+  <p:cSld>
+    <p:spTree>
+      <p:nvGrpSpPr>
+        <p:cNvPr id="1" name=""/>
+        <p:cNvGrpSpPr/>
+        <p:nvPr/>
+      </p:nvGrpSpPr>
+      <p:grpSpPr>
+        <a:xfrm>
+          <a:off x="0" y="0"/>
+          <a:ext cx="0" cy="0"/>
+          <a:chOff x="0" y="0"/>
+          <a:chExt cx="0" cy="0"/>
+        </a:xfrm>
+      </p:grpSpPr>
+      <p:sp>
+        <p:nvSpPr>
           <p:cNvPr id="2" name="Title 1">
             <a:extLst>
               <a:ext uri="{FF2B5EF4-FFF2-40B4-BE49-F238E27FC236}">
@@ -5886,8 +6149,18 @@
               <a:buChar char="•"/>
             </a:pPr>
             <a:r>
-              <a:rPr lang="en-US" dirty="0"/>
-              <a:t>this game likes shooter games , so you can press space button to shoot our knife.</a:t>
+              <a:rPr lang="en-US" dirty="0" smtClean="0">
+                <a:effectLst>
+                  <a:glow rad="38100">
+                    <a:schemeClr val="bg1">
+                      <a:lumMod val="50000"/>
+                      <a:lumOff val="50000"/>
+                      <a:alpha val="20000"/>
+                    </a:schemeClr>
+                  </a:glow>
+                </a:effectLst>
+              </a:rPr>
+              <a:t>All you need to do is to focus and wait till the appropriate moment then you are ready to shoot the knife.</a:t>
             </a:r>
           </a:p>
           <a:p>
@@ -5896,8 +6169,46 @@
               <a:buChar char="•"/>
             </a:pPr>
             <a:r>
-              <a:rPr lang="en-US" dirty="0"/>
-              <a:t>When the knife hit an apple , your score and tour level will increase by one .</a:t>
+              <a:rPr lang="en-US" dirty="0" smtClean="0">
+                <a:effectLst>
+                  <a:glow rad="38100">
+                    <a:schemeClr val="bg1">
+                      <a:lumMod val="50000"/>
+                      <a:lumOff val="50000"/>
+                      <a:alpha val="20000"/>
+                    </a:schemeClr>
+                  </a:glow>
+                </a:effectLst>
+              </a:rPr>
+              <a:t>You can shoot the knife by simply pressing on the ‘Space’ key.</a:t>
+            </a:r>
+            <a:endParaRPr lang="en-US" dirty="0">
+              <a:effectLst>
+                <a:glow rad="38100">
+                  <a:schemeClr val="bg1">
+                    <a:lumMod val="50000"/>
+                    <a:lumOff val="50000"/>
+                    <a:alpha val="20000"/>
+                  </a:schemeClr>
+                </a:glow>
+              </a:effectLst>
+            </a:endParaRPr>
+          </a:p>
+          <a:p>
+            <a:pPr algn="l" rtl="0"/>
+            <a:r>
+              <a:rPr lang="en-US" dirty="0">
+                <a:effectLst>
+                  <a:glow rad="38100">
+                    <a:schemeClr val="bg1">
+                      <a:lumMod val="50000"/>
+                      <a:lumOff val="50000"/>
+                      <a:alpha val="20000"/>
+                    </a:schemeClr>
+                  </a:glow>
+                </a:effectLst>
+              </a:rPr>
+              <a:t>										Enjoy…:””)</a:t>
             </a:r>
           </a:p>
           <a:p>
@@ -5905,28 +6216,17 @@
               <a:buFont typeface="Arial" panose="020B0604020202020204" pitchFamily="34" charset="0"/>
               <a:buChar char="•"/>
             </a:pPr>
-            <a:r>
-              <a:rPr lang="en-US" dirty="0"/>
-              <a:t>You have 3 attempts ,after that you will lose!</a:t>
-            </a:r>
-          </a:p>
-          <a:p>
-            <a:pPr algn="l" rtl="0"/>
-            <a:endParaRPr lang="en-US" dirty="0"/>
-          </a:p>
-          <a:p>
-            <a:pPr algn="l" rtl="0"/>
-            <a:r>
-              <a:rPr lang="en-US" dirty="0"/>
-              <a:t>										Enjoy…:””)</a:t>
-            </a:r>
-          </a:p>
-          <a:p>
-            <a:pPr marL="342900" indent="-342900" algn="l" rtl="0">
-              <a:buFont typeface="Arial" panose="020B0604020202020204" pitchFamily="34" charset="0"/>
-              <a:buChar char="•"/>
-            </a:pPr>
-            <a:endParaRPr lang="en-US" dirty="0"/>
+            <a:endParaRPr lang="en-US" dirty="0">
+              <a:effectLst>
+                <a:glow rad="38100">
+                  <a:schemeClr val="bg1">
+                    <a:lumMod val="50000"/>
+                    <a:lumOff val="50000"/>
+                    <a:alpha val="20000"/>
+                  </a:schemeClr>
+                </a:glow>
+              </a:effectLst>
+            </a:endParaRPr>
           </a:p>
         </p:txBody>
       </p:sp>
@@ -5934,6 +6234,154 @@
     <p:extLst>
       <p:ext uri="{BB962C8B-B14F-4D97-AF65-F5344CB8AC3E}">
         <p14:creationId xmlns:p14="http://schemas.microsoft.com/office/powerpoint/2010/main" val="1520576226"/>
+      </p:ext>
+    </p:extLst>
+  </p:cSld>
+  <p:clrMapOvr>
+    <a:masterClrMapping/>
+  </p:clrMapOvr>
+</p:sld>
+</file>
+
+<file path=ppt/slides/slide4.xml><?xml version="1.0" encoding="utf-8"?>
+<p:sld xmlns:a="http://schemas.openxmlformats.org/drawingml/2006/main" xmlns:r="http://schemas.openxmlformats.org/officeDocument/2006/relationships" xmlns:p="http://schemas.openxmlformats.org/presentationml/2006/main">
+  <p:cSld>
+    <p:spTree>
+      <p:nvGrpSpPr>
+        <p:cNvPr id="1" name=""/>
+        <p:cNvGrpSpPr/>
+        <p:nvPr/>
+      </p:nvGrpSpPr>
+      <p:grpSpPr>
+        <a:xfrm>
+          <a:off x="0" y="0"/>
+          <a:ext cx="0" cy="0"/>
+          <a:chOff x="0" y="0"/>
+          <a:chExt cx="0" cy="0"/>
+        </a:xfrm>
+      </p:grpSpPr>
+      <p:sp>
+        <p:nvSpPr>
+          <p:cNvPr id="2" name="Title 1"/>
+          <p:cNvSpPr>
+            <a:spLocks noGrp="1"/>
+          </p:cNvSpPr>
+          <p:nvPr>
+            <p:ph type="title"/>
+          </p:nvPr>
+        </p:nvSpPr>
+        <p:spPr>
+          <a:xfrm>
+            <a:off x="1141412" y="2595419"/>
+            <a:ext cx="9906000" cy="1459346"/>
+          </a:xfrm>
+        </p:spPr>
+        <p:txBody>
+          <a:bodyPr/>
+          <a:lstStyle/>
+          <a:p>
+            <a:r>
+              <a:rPr lang="en-US" dirty="0" smtClean="0"/>
+              <a:t>Thank you!</a:t>
+            </a:r>
+            <a:endParaRPr lang="en-US" dirty="0"/>
+          </a:p>
+        </p:txBody>
+      </p:sp>
+      <p:sp>
+        <p:nvSpPr>
+          <p:cNvPr id="3" name="Text Placeholder 2"/>
+          <p:cNvSpPr>
+            <a:spLocks noGrp="1"/>
+          </p:cNvSpPr>
+          <p:nvPr>
+            <p:ph type="body" idx="1"/>
+          </p:nvPr>
+        </p:nvSpPr>
+        <p:spPr>
+          <a:xfrm>
+            <a:off x="8386617" y="4193309"/>
+            <a:ext cx="2660793" cy="2198254"/>
+          </a:xfrm>
+        </p:spPr>
+        <p:txBody>
+          <a:bodyPr>
+            <a:normAutofit lnSpcReduction="10000"/>
+          </a:bodyPr>
+          <a:lstStyle/>
+          <a:p>
+            <a:pPr marL="0" indent="0" algn="l" rtl="0">
+              <a:buNone/>
+            </a:pPr>
+            <a:r>
+              <a:rPr lang="en-US" dirty="0" smtClean="0"/>
+              <a:t>By:</a:t>
+            </a:r>
+          </a:p>
+          <a:p>
+            <a:pPr algn="l" rtl="0">
+              <a:buFontTx/>
+              <a:buChar char="-"/>
+            </a:pPr>
+            <a:r>
+              <a:rPr lang="en-US" dirty="0" smtClean="0"/>
+              <a:t>Al-</a:t>
+            </a:r>
+            <a:r>
+              <a:rPr lang="en-US" dirty="0" err="1" smtClean="0"/>
+              <a:t>Shaimaa</a:t>
+            </a:r>
+            <a:endParaRPr lang="en-US" dirty="0" smtClean="0"/>
+          </a:p>
+          <a:p>
+            <a:pPr algn="l" rtl="0">
+              <a:buFontTx/>
+              <a:buChar char="-"/>
+            </a:pPr>
+            <a:r>
+              <a:rPr lang="en-US" dirty="0" smtClean="0"/>
+              <a:t>Salma</a:t>
+            </a:r>
+          </a:p>
+          <a:p>
+            <a:pPr algn="l" rtl="0">
+              <a:buFontTx/>
+              <a:buChar char="-"/>
+            </a:pPr>
+            <a:r>
+              <a:rPr lang="en-US" dirty="0" err="1" smtClean="0"/>
+              <a:t>Hasnaa</a:t>
+            </a:r>
+            <a:endParaRPr lang="en-US" dirty="0" smtClean="0"/>
+          </a:p>
+          <a:p>
+            <a:pPr algn="l" rtl="0">
+              <a:buFontTx/>
+              <a:buChar char="-"/>
+            </a:pPr>
+            <a:r>
+              <a:rPr lang="en-US" dirty="0" smtClean="0"/>
+              <a:t>Rowan</a:t>
+            </a:r>
+          </a:p>
+          <a:p>
+            <a:pPr marL="0" indent="0" algn="l" rtl="0">
+              <a:buNone/>
+            </a:pPr>
+            <a:endParaRPr lang="en-US" dirty="0" smtClean="0"/>
+          </a:p>
+          <a:p>
+            <a:pPr marL="0" indent="0" algn="l" rtl="0">
+              <a:buNone/>
+            </a:pPr>
+            <a:endParaRPr lang="en-US" dirty="0" smtClean="0"/>
+          </a:p>
+        </p:txBody>
+      </p:sp>
+    </p:spTree>
+    <p:extLst>
+      <p:ext uri="{BB962C8B-B14F-4D97-AF65-F5344CB8AC3E}">
+        <p14:creationId xmlns:p14="http://schemas.microsoft.com/office/powerpoint/2010/main" val="704458490"/>
       </p:ext>
     </p:extLst>
   </p:cSld>
